--- a/Air Quality Index Analysis Presentation.pptx
+++ b/Air Quality Index Analysis Presentation.pptx
@@ -852,7 +852,7 @@
           <a:p>
             <a:fld id="{F927BE6E-96F2-4531-A17D-FAFB8186C2D9}" type="datetimeFigureOut">
               <a:rPr lang="en-US" smtClean="0"/>
-              <a:t>5/1/2022</a:t>
+              <a:t>5/2/2022</a:t>
             </a:fld>
             <a:endParaRPr lang="en-US" dirty="0"/>
           </a:p>
@@ -1103,7 +1103,7 @@
           <a:p>
             <a:fld id="{F927BE6E-96F2-4531-A17D-FAFB8186C2D9}" type="datetimeFigureOut">
               <a:rPr lang="en-US" smtClean="0"/>
-              <a:t>5/1/2022</a:t>
+              <a:t>5/2/2022</a:t>
             </a:fld>
             <a:endParaRPr lang="en-US" dirty="0"/>
           </a:p>
@@ -1417,7 +1417,7 @@
           <a:p>
             <a:fld id="{F927BE6E-96F2-4531-A17D-FAFB8186C2D9}" type="datetimeFigureOut">
               <a:rPr lang="en-US" smtClean="0"/>
-              <a:t>5/1/2022</a:t>
+              <a:t>5/2/2022</a:t>
             </a:fld>
             <a:endParaRPr lang="en-US" dirty="0"/>
           </a:p>
@@ -1758,7 +1758,7 @@
           <a:p>
             <a:fld id="{F927BE6E-96F2-4531-A17D-FAFB8186C2D9}" type="datetimeFigureOut">
               <a:rPr lang="en-US" smtClean="0"/>
-              <a:t>5/1/2022</a:t>
+              <a:t>5/2/2022</a:t>
             </a:fld>
             <a:endParaRPr lang="en-US" dirty="0"/>
           </a:p>
@@ -2072,7 +2072,7 @@
           <a:p>
             <a:fld id="{F927BE6E-96F2-4531-A17D-FAFB8186C2D9}" type="datetimeFigureOut">
               <a:rPr lang="en-US" smtClean="0"/>
-              <a:t>5/1/2022</a:t>
+              <a:t>5/2/2022</a:t>
             </a:fld>
             <a:endParaRPr lang="en-US" dirty="0"/>
           </a:p>
@@ -2465,7 +2465,7 @@
           <a:p>
             <a:fld id="{F927BE6E-96F2-4531-A17D-FAFB8186C2D9}" type="datetimeFigureOut">
               <a:rPr lang="en-US" smtClean="0"/>
-              <a:t>5/1/2022</a:t>
+              <a:t>5/2/2022</a:t>
             </a:fld>
             <a:endParaRPr lang="en-US" dirty="0"/>
           </a:p>
@@ -2635,7 +2635,7 @@
           <a:p>
             <a:fld id="{F927BE6E-96F2-4531-A17D-FAFB8186C2D9}" type="datetimeFigureOut">
               <a:rPr lang="en-US" smtClean="0"/>
-              <a:t>5/1/2022</a:t>
+              <a:t>5/2/2022</a:t>
             </a:fld>
             <a:endParaRPr lang="en-US" dirty="0"/>
           </a:p>
@@ -2815,7 +2815,7 @@
           <a:p>
             <a:fld id="{F927BE6E-96F2-4531-A17D-FAFB8186C2D9}" type="datetimeFigureOut">
               <a:rPr lang="en-US" smtClean="0"/>
-              <a:t>5/1/2022</a:t>
+              <a:t>5/2/2022</a:t>
             </a:fld>
             <a:endParaRPr lang="en-US" dirty="0"/>
           </a:p>
@@ -2991,7 +2991,7 @@
           <a:p>
             <a:fld id="{F927BE6E-96F2-4531-A17D-FAFB8186C2D9}" type="datetimeFigureOut">
               <a:rPr lang="en-US" smtClean="0"/>
-              <a:t>5/1/2022</a:t>
+              <a:t>5/2/2022</a:t>
             </a:fld>
             <a:endParaRPr lang="en-US" dirty="0"/>
           </a:p>
@@ -3238,7 +3238,7 @@
           <a:p>
             <a:fld id="{F927BE6E-96F2-4531-A17D-FAFB8186C2D9}" type="datetimeFigureOut">
               <a:rPr lang="en-US" smtClean="0"/>
-              <a:t>5/1/2022</a:t>
+              <a:t>5/2/2022</a:t>
             </a:fld>
             <a:endParaRPr lang="en-US" dirty="0"/>
           </a:p>
@@ -3470,7 +3470,7 @@
           <a:p>
             <a:fld id="{F927BE6E-96F2-4531-A17D-FAFB8186C2D9}" type="datetimeFigureOut">
               <a:rPr lang="en-US" smtClean="0"/>
-              <a:t>5/1/2022</a:t>
+              <a:t>5/2/2022</a:t>
             </a:fld>
             <a:endParaRPr lang="en-US" dirty="0"/>
           </a:p>
@@ -3844,7 +3844,7 @@
           <a:p>
             <a:fld id="{F927BE6E-96F2-4531-A17D-FAFB8186C2D9}" type="datetimeFigureOut">
               <a:rPr lang="en-US" smtClean="0"/>
-              <a:t>5/1/2022</a:t>
+              <a:t>5/2/2022</a:t>
             </a:fld>
             <a:endParaRPr lang="en-US" dirty="0"/>
           </a:p>
@@ -3967,7 +3967,7 @@
           <a:p>
             <a:fld id="{F927BE6E-96F2-4531-A17D-FAFB8186C2D9}" type="datetimeFigureOut">
               <a:rPr lang="en-US" smtClean="0"/>
-              <a:t>5/1/2022</a:t>
+              <a:t>5/2/2022</a:t>
             </a:fld>
             <a:endParaRPr lang="en-US" dirty="0"/>
           </a:p>
@@ -4062,7 +4062,7 @@
           <a:p>
             <a:fld id="{F927BE6E-96F2-4531-A17D-FAFB8186C2D9}" type="datetimeFigureOut">
               <a:rPr lang="en-US" smtClean="0"/>
-              <a:t>5/1/2022</a:t>
+              <a:t>5/2/2022</a:t>
             </a:fld>
             <a:endParaRPr lang="en-US" dirty="0"/>
           </a:p>
@@ -4317,7 +4317,7 @@
           <a:p>
             <a:fld id="{F927BE6E-96F2-4531-A17D-FAFB8186C2D9}" type="datetimeFigureOut">
               <a:rPr lang="en-US" smtClean="0"/>
-              <a:t>5/1/2022</a:t>
+              <a:t>5/2/2022</a:t>
             </a:fld>
             <a:endParaRPr lang="en-US" dirty="0"/>
           </a:p>
@@ -4579,7 +4579,7 @@
           <a:p>
             <a:fld id="{F927BE6E-96F2-4531-A17D-FAFB8186C2D9}" type="datetimeFigureOut">
               <a:rPr lang="en-US" smtClean="0"/>
-              <a:t>5/1/2022</a:t>
+              <a:t>5/2/2022</a:t>
             </a:fld>
             <a:endParaRPr lang="en-US" dirty="0"/>
           </a:p>
@@ -5322,7 +5322,7 @@
           <a:p>
             <a:fld id="{F927BE6E-96F2-4531-A17D-FAFB8186C2D9}" type="datetimeFigureOut">
               <a:rPr lang="en-US" smtClean="0"/>
-              <a:t>5/1/2022</a:t>
+              <a:t>5/2/2022</a:t>
             </a:fld>
             <a:endParaRPr lang="en-US" dirty="0"/>
           </a:p>
@@ -8699,10 +8699,10 @@
       </p:sp>
       <p:pic>
         <p:nvPicPr>
-          <p:cNvPr id="8" name="Picture 7" descr="Chart, scatter chart&#10;&#10;Description automatically generated">
+          <p:cNvPr id="3" name="Picture 2" descr="Chart, histogram&#10;&#10;Description automatically generated">
             <a:extLst>
               <a:ext uri="{FF2B5EF4-FFF2-40B4-BE49-F238E27FC236}">
-                <a16:creationId xmlns:a16="http://schemas.microsoft.com/office/drawing/2014/main" id="{E9D21FBE-00E6-48E9-9CB6-3E11312E670C}"/>
+                <a16:creationId xmlns:a16="http://schemas.microsoft.com/office/drawing/2014/main" id="{89A9F616-9932-44C6-8A4C-8CEF79C4F0F4}"/>
               </a:ext>
             </a:extLst>
           </p:cNvPr>
@@ -8711,7 +8711,7 @@
           </p:cNvPicPr>
           <p:nvPr/>
         </p:nvPicPr>
-        <p:blipFill>
+        <p:blipFill rotWithShape="1">
           <a:blip r:embed="rId2">
             <a:extLst>
               <a:ext uri="{28A0092B-C50C-407E-A947-70E740481C1C}">
@@ -8719,14 +8719,13 @@
               </a:ext>
             </a:extLst>
           </a:blip>
-          <a:stretch>
-            <a:fillRect/>
-          </a:stretch>
+          <a:srcRect l="10159" t="3971" r="8571"/>
+          <a:stretch/>
         </p:blipFill>
         <p:spPr>
           <a:xfrm>
-            <a:off x="1552576" y="1216327"/>
-            <a:ext cx="7362824" cy="4809309"/>
+            <a:off x="0" y="1120588"/>
+            <a:ext cx="11754677" cy="5224939"/>
           </a:xfrm>
           <a:prstGeom prst="rect">
             <a:avLst/>

--- a/Air Quality Index Analysis Presentation.pptx
+++ b/Air Quality Index Analysis Presentation.pptx
@@ -2,7 +2,7 @@
 <file path=ppt/presentation.xml><?xml version="1.0" encoding="utf-8"?>
 <p:presentation xmlns:a="http://schemas.openxmlformats.org/drawingml/2006/main" xmlns:r="http://schemas.openxmlformats.org/officeDocument/2006/relationships" xmlns:p="http://schemas.openxmlformats.org/presentationml/2006/main" saveSubsetFonts="1">
   <p:sldMasterIdLst>
-    <p:sldMasterId id="2147483660" r:id="rId1"/>
+    <p:sldMasterId id="2147483677" r:id="rId1"/>
   </p:sldMasterIdLst>
   <p:sldIdLst>
     <p:sldId id="256" r:id="rId2"/>
@@ -149,7 +149,7 @@
       </p:grpSpPr>
       <p:grpSp>
         <p:nvGrpSpPr>
-          <p:cNvPr id="7" name="Group 6"/>
+          <p:cNvPr id="16" name="Group 15"/>
           <p:cNvGrpSpPr/>
           <p:nvPr/>
         </p:nvGrpSpPr>
@@ -161,9 +161,72 @@
             <a:chExt cx="12192000" cy="6866467"/>
           </a:xfrm>
         </p:grpSpPr>
+        <p:sp>
+          <p:nvSpPr>
+            <p:cNvPr id="15" name="Freeform 14"/>
+            <p:cNvSpPr/>
+            <p:nvPr/>
+          </p:nvSpPr>
+          <p:spPr>
+            <a:xfrm>
+              <a:off x="0" y="-7862"/>
+              <a:ext cx="863600" cy="5698067"/>
+            </a:xfrm>
+            <a:custGeom>
+              <a:avLst/>
+              <a:gdLst/>
+              <a:ahLst/>
+              <a:cxnLst/>
+              <a:rect l="l" t="t" r="r" b="b"/>
+              <a:pathLst>
+                <a:path w="863600" h="5698067">
+                  <a:moveTo>
+                    <a:pt x="0" y="8467"/>
+                  </a:moveTo>
+                  <a:lnTo>
+                    <a:pt x="863600" y="0"/>
+                  </a:lnTo>
+                  <a:lnTo>
+                    <a:pt x="863600" y="16934"/>
+                  </a:lnTo>
+                  <a:lnTo>
+                    <a:pt x="0" y="5698067"/>
+                  </a:lnTo>
+                  <a:lnTo>
+                    <a:pt x="0" y="8467"/>
+                  </a:lnTo>
+                  <a:close/>
+                </a:path>
+              </a:pathLst>
+            </a:custGeom>
+            <a:solidFill>
+              <a:schemeClr val="accent1">
+                <a:alpha val="70000"/>
+              </a:schemeClr>
+            </a:solidFill>
+            <a:ln>
+              <a:noFill/>
+            </a:ln>
+            <a:effectLst/>
+          </p:spPr>
+          <p:style>
+            <a:lnRef idx="1">
+              <a:schemeClr val="accent1"/>
+            </a:lnRef>
+            <a:fillRef idx="3">
+              <a:schemeClr val="accent1"/>
+            </a:fillRef>
+            <a:effectRef idx="2">
+              <a:schemeClr val="accent1"/>
+            </a:effectRef>
+            <a:fontRef idx="minor">
+              <a:schemeClr val="lt1"/>
+            </a:fontRef>
+          </p:style>
+        </p:sp>
         <p:cxnSp>
           <p:nvCxnSpPr>
-            <p:cNvPr id="32" name="Straight Connector 31"/>
+            <p:cNvPr id="19" name="Straight Connector 18"/>
             <p:cNvCxnSpPr/>
             <p:nvPr/>
           </p:nvCxnSpPr>
@@ -177,8 +240,8 @@
             </a:prstGeom>
             <a:ln w="9525">
               <a:solidFill>
-                <a:schemeClr val="bg1">
-                  <a:lumMod val="75000"/>
+                <a:schemeClr val="accent1">
+                  <a:alpha val="70000"/>
                 </a:schemeClr>
               </a:solidFill>
             </a:ln>
@@ -200,7 +263,7 @@
         </p:cxnSp>
         <p:cxnSp>
           <p:nvCxnSpPr>
-            <p:cNvPr id="21" name="Straight Connector 20"/>
+            <p:cNvPr id="20" name="Straight Connector 19"/>
             <p:cNvCxnSpPr/>
             <p:nvPr/>
           </p:nvCxnSpPr>
@@ -214,8 +277,8 @@
             </a:prstGeom>
             <a:ln w="9525">
               <a:solidFill>
-                <a:schemeClr val="bg1">
-                  <a:lumMod val="85000"/>
+                <a:schemeClr val="accent1">
+                  <a:alpha val="70000"/>
                 </a:schemeClr>
               </a:solidFill>
             </a:ln>
@@ -237,7 +300,7 @@
         </p:cxnSp>
         <p:sp>
           <p:nvSpPr>
-            <p:cNvPr id="24" name="Rectangle 23"/>
+            <p:cNvPr id="21" name="Rectangle 23"/>
             <p:cNvSpPr/>
             <p:nvPr/>
           </p:nvSpPr>
@@ -275,7 +338,7 @@
             </a:custGeom>
             <a:solidFill>
               <a:schemeClr val="accent1">
-                <a:alpha val="30000"/>
+                <a:alpha val="36000"/>
               </a:schemeClr>
             </a:solidFill>
             <a:ln>
@@ -300,7 +363,7 @@
         </p:sp>
         <p:sp>
           <p:nvSpPr>
-            <p:cNvPr id="26" name="Rectangle 25"/>
+            <p:cNvPr id="22" name="Rectangle 25"/>
             <p:cNvSpPr/>
             <p:nvPr/>
           </p:nvSpPr>
@@ -363,7 +426,7 @@
         </p:sp>
         <p:sp>
           <p:nvSpPr>
-            <p:cNvPr id="27" name="Isosceles Triangle 26"/>
+            <p:cNvPr id="23" name="Isosceles Triangle 22"/>
             <p:cNvSpPr/>
             <p:nvPr/>
           </p:nvSpPr>
@@ -378,8 +441,9 @@
               </a:avLst>
             </a:prstGeom>
             <a:solidFill>
-              <a:schemeClr val="accent2">
-                <a:alpha val="72000"/>
+              <a:schemeClr val="accent1">
+                <a:lumMod val="75000"/>
+                <a:alpha val="66000"/>
               </a:schemeClr>
             </a:solidFill>
             <a:ln>
@@ -404,7 +468,7 @@
         </p:sp>
         <p:sp>
           <p:nvSpPr>
-            <p:cNvPr id="28" name="Rectangle 27"/>
+            <p:cNvPr id="24" name="Rectangle 27"/>
             <p:cNvSpPr/>
             <p:nvPr/>
           </p:nvSpPr>
@@ -441,9 +505,9 @@
               </a:pathLst>
             </a:custGeom>
             <a:solidFill>
-              <a:schemeClr val="accent2">
+              <a:schemeClr val="accent1">
                 <a:lumMod val="75000"/>
-                <a:alpha val="70000"/>
+                <a:alpha val="50000"/>
               </a:schemeClr>
             </a:solidFill>
             <a:ln>
@@ -468,7 +532,7 @@
         </p:sp>
         <p:sp>
           <p:nvSpPr>
-            <p:cNvPr id="29" name="Rectangle 28"/>
+            <p:cNvPr id="25" name="Rectangle 28"/>
             <p:cNvSpPr/>
             <p:nvPr/>
           </p:nvSpPr>
@@ -505,9 +569,7 @@
               </a:pathLst>
             </a:custGeom>
             <a:solidFill>
-              <a:schemeClr val="accent1">
-                <a:lumMod val="60000"/>
-                <a:lumOff val="40000"/>
+              <a:schemeClr val="accent2">
                 <a:alpha val="70000"/>
               </a:schemeClr>
             </a:solidFill>
@@ -533,7 +595,7 @@
         </p:sp>
         <p:sp>
           <p:nvSpPr>
-            <p:cNvPr id="30" name="Rectangle 29"/>
+            <p:cNvPr id="26" name="Rectangle 29"/>
             <p:cNvSpPr/>
             <p:nvPr/>
           </p:nvSpPr>
@@ -570,48 +632,8 @@
               </a:pathLst>
             </a:custGeom>
             <a:solidFill>
-              <a:schemeClr val="accent1">
-                <a:alpha val="65000"/>
-              </a:schemeClr>
-            </a:solidFill>
-            <a:ln>
-              <a:noFill/>
-            </a:ln>
-            <a:effectLst/>
-          </p:spPr>
-          <p:style>
-            <a:lnRef idx="1">
-              <a:schemeClr val="accent1"/>
-            </a:lnRef>
-            <a:fillRef idx="3">
-              <a:schemeClr val="accent1"/>
-            </a:fillRef>
-            <a:effectRef idx="2">
-              <a:schemeClr val="accent1"/>
-            </a:effectRef>
-            <a:fontRef idx="minor">
-              <a:schemeClr val="lt1"/>
-            </a:fontRef>
-          </p:style>
-        </p:sp>
-        <p:sp>
-          <p:nvSpPr>
-            <p:cNvPr id="31" name="Isosceles Triangle 30"/>
-            <p:cNvSpPr/>
-            <p:nvPr/>
-          </p:nvSpPr>
-          <p:spPr>
-            <a:xfrm>
-              <a:off x="10371666" y="3589867"/>
-              <a:ext cx="1817159" cy="3268133"/>
-            </a:xfrm>
-            <a:prstGeom prst="triangle">
-              <a:avLst>
-                <a:gd name="adj" fmla="val 100000"/>
-              </a:avLst>
-            </a:prstGeom>
-            <a:solidFill>
-              <a:schemeClr val="accent1">
+              <a:schemeClr val="accent2">
+                <a:lumMod val="75000"/>
                 <a:alpha val="80000"/>
               </a:schemeClr>
             </a:solidFill>
@@ -637,14 +659,14 @@
         </p:sp>
         <p:sp>
           <p:nvSpPr>
-            <p:cNvPr id="19" name="Isosceles Triangle 18"/>
+            <p:cNvPr id="27" name="Isosceles Triangle 26"/>
             <p:cNvSpPr/>
             <p:nvPr/>
           </p:nvSpPr>
           <p:spPr>
-            <a:xfrm rot="10800000">
-              <a:off x="0" y="0"/>
-              <a:ext cx="842596" cy="5666154"/>
+            <a:xfrm>
+              <a:off x="10371666" y="3589867"/>
+              <a:ext cx="1817159" cy="3268133"/>
             </a:xfrm>
             <a:prstGeom prst="triangle">
               <a:avLst>
@@ -653,7 +675,8 @@
             </a:prstGeom>
             <a:solidFill>
               <a:schemeClr val="accent1">
-                <a:alpha val="85000"/>
+                <a:lumMod val="75000"/>
+                <a:alpha val="66000"/>
               </a:schemeClr>
             </a:solidFill>
             <a:ln>
@@ -903,7 +926,7 @@
     </p:spTree>
     <p:extLst>
       <p:ext uri="{BB962C8B-B14F-4D97-AF65-F5344CB8AC3E}">
-        <p14:creationId xmlns:p14="http://schemas.microsoft.com/office/powerpoint/2010/main" val="2971045180"/>
+        <p14:creationId xmlns:p14="http://schemas.microsoft.com/office/powerpoint/2010/main" val="1896744834"/>
       </p:ext>
     </p:extLst>
   </p:cSld>
@@ -1154,7 +1177,7 @@
     </p:spTree>
     <p:extLst>
       <p:ext uri="{BB962C8B-B14F-4D97-AF65-F5344CB8AC3E}">
-        <p14:creationId xmlns:p14="http://schemas.microsoft.com/office/powerpoint/2010/main" val="2737288154"/>
+        <p14:creationId xmlns:p14="http://schemas.microsoft.com/office/powerpoint/2010/main" val="1315246680"/>
       </p:ext>
     </p:extLst>
   </p:cSld>
@@ -1467,7 +1490,7 @@
       </p:sp>
       <p:sp>
         <p:nvSpPr>
-          <p:cNvPr id="20" name="TextBox 19"/>
+          <p:cNvPr id="24" name="TextBox 23"/>
           <p:cNvSpPr txBox="1"/>
           <p:nvPr/>
         </p:nvSpPr>
@@ -1508,7 +1531,7 @@
       </p:sp>
       <p:sp>
         <p:nvSpPr>
-          <p:cNvPr id="22" name="TextBox 21"/>
+          <p:cNvPr id="25" name="TextBox 24"/>
           <p:cNvSpPr txBox="1"/>
           <p:nvPr/>
         </p:nvSpPr>
@@ -1539,26 +1562,18 @@
                     <a:lumOff val="40000"/>
                   </a:schemeClr>
                 </a:solidFill>
+                <a:effectLst/>
                 <a:latin typeface="Arial"/>
               </a:rPr>
               <a:t>”</a:t>
             </a:r>
-            <a:endParaRPr lang="en-US" dirty="0">
-              <a:solidFill>
-                <a:schemeClr val="accent1">
-                  <a:lumMod val="60000"/>
-                  <a:lumOff val="40000"/>
-                </a:schemeClr>
-              </a:solidFill>
-              <a:latin typeface="Arial"/>
-            </a:endParaRPr>
           </a:p>
         </p:txBody>
       </p:sp>
     </p:spTree>
     <p:extLst>
       <p:ext uri="{BB962C8B-B14F-4D97-AF65-F5344CB8AC3E}">
-        <p14:creationId xmlns:p14="http://schemas.microsoft.com/office/powerpoint/2010/main" val="1842212956"/>
+        <p14:creationId xmlns:p14="http://schemas.microsoft.com/office/powerpoint/2010/main" val="3484955772"/>
       </p:ext>
     </p:extLst>
   </p:cSld>
@@ -1809,7 +1824,7 @@
     </p:spTree>
     <p:extLst>
       <p:ext uri="{BB962C8B-B14F-4D97-AF65-F5344CB8AC3E}">
-        <p14:creationId xmlns:p14="http://schemas.microsoft.com/office/powerpoint/2010/main" val="2582663342"/>
+        <p14:creationId xmlns:p14="http://schemas.microsoft.com/office/powerpoint/2010/main" val="667459093"/>
       </p:ext>
     </p:extLst>
   </p:cSld>
@@ -2205,7 +2220,7 @@
     </p:spTree>
     <p:extLst>
       <p:ext uri="{BB962C8B-B14F-4D97-AF65-F5344CB8AC3E}">
-        <p14:creationId xmlns:p14="http://schemas.microsoft.com/office/powerpoint/2010/main" val="559128252"/>
+        <p14:creationId xmlns:p14="http://schemas.microsoft.com/office/powerpoint/2010/main" val="2079578186"/>
       </p:ext>
     </p:extLst>
   </p:cSld>
@@ -2516,7 +2531,7 @@
     </p:spTree>
     <p:extLst>
       <p:ext uri="{BB962C8B-B14F-4D97-AF65-F5344CB8AC3E}">
-        <p14:creationId xmlns:p14="http://schemas.microsoft.com/office/powerpoint/2010/main" val="1860606658"/>
+        <p14:creationId xmlns:p14="http://schemas.microsoft.com/office/powerpoint/2010/main" val="2347561048"/>
       </p:ext>
     </p:extLst>
   </p:cSld>
@@ -2686,7 +2701,7 @@
     </p:spTree>
     <p:extLst>
       <p:ext uri="{BB962C8B-B14F-4D97-AF65-F5344CB8AC3E}">
-        <p14:creationId xmlns:p14="http://schemas.microsoft.com/office/powerpoint/2010/main" val="2298166336"/>
+        <p14:creationId xmlns:p14="http://schemas.microsoft.com/office/powerpoint/2010/main" val="1144261835"/>
       </p:ext>
     </p:extLst>
   </p:cSld>
@@ -2866,7 +2881,7 @@
     </p:spTree>
     <p:extLst>
       <p:ext uri="{BB962C8B-B14F-4D97-AF65-F5344CB8AC3E}">
-        <p14:creationId xmlns:p14="http://schemas.microsoft.com/office/powerpoint/2010/main" val="1694923482"/>
+        <p14:creationId xmlns:p14="http://schemas.microsoft.com/office/powerpoint/2010/main" val="431084336"/>
       </p:ext>
     </p:extLst>
   </p:cSld>
@@ -2905,14 +2920,8 @@
         </p:nvSpPr>
         <p:spPr/>
         <p:txBody>
-          <a:bodyPr>
-            <a:normAutofit/>
-          </a:bodyPr>
-          <a:lstStyle>
-            <a:lvl1pPr>
-              <a:defRPr sz="3600"/>
-            </a:lvl1pPr>
-          </a:lstStyle>
+          <a:bodyPr/>
+          <a:lstStyle/>
           <a:p>
             <a:r>
               <a:rPr lang="en-US"/>
@@ -3042,7 +3051,7 @@
     </p:spTree>
     <p:extLst>
       <p:ext uri="{BB962C8B-B14F-4D97-AF65-F5344CB8AC3E}">
-        <p14:creationId xmlns:p14="http://schemas.microsoft.com/office/powerpoint/2010/main" val="2796908640"/>
+        <p14:creationId xmlns:p14="http://schemas.microsoft.com/office/powerpoint/2010/main" val="710958735"/>
       </p:ext>
     </p:extLst>
   </p:cSld>
@@ -3289,7 +3298,7 @@
     </p:spTree>
     <p:extLst>
       <p:ext uri="{BB962C8B-B14F-4D97-AF65-F5344CB8AC3E}">
-        <p14:creationId xmlns:p14="http://schemas.microsoft.com/office/powerpoint/2010/main" val="3759338025"/>
+        <p14:creationId xmlns:p14="http://schemas.microsoft.com/office/powerpoint/2010/main" val="728946988"/>
       </p:ext>
     </p:extLst>
   </p:cSld>
@@ -3521,7 +3530,7 @@
     </p:spTree>
     <p:extLst>
       <p:ext uri="{BB962C8B-B14F-4D97-AF65-F5344CB8AC3E}">
-        <p14:creationId xmlns:p14="http://schemas.microsoft.com/office/powerpoint/2010/main" val="2997719439"/>
+        <p14:creationId xmlns:p14="http://schemas.microsoft.com/office/powerpoint/2010/main" val="2078253480"/>
       </p:ext>
     </p:extLst>
   </p:cSld>
@@ -3895,7 +3904,7 @@
     </p:spTree>
     <p:extLst>
       <p:ext uri="{BB962C8B-B14F-4D97-AF65-F5344CB8AC3E}">
-        <p14:creationId xmlns:p14="http://schemas.microsoft.com/office/powerpoint/2010/main" val="4242559300"/>
+        <p14:creationId xmlns:p14="http://schemas.microsoft.com/office/powerpoint/2010/main" val="3615847572"/>
       </p:ext>
     </p:extLst>
   </p:cSld>
@@ -4018,7 +4027,7 @@
     </p:spTree>
     <p:extLst>
       <p:ext uri="{BB962C8B-B14F-4D97-AF65-F5344CB8AC3E}">
-        <p14:creationId xmlns:p14="http://schemas.microsoft.com/office/powerpoint/2010/main" val="1580191471"/>
+        <p14:creationId xmlns:p14="http://schemas.microsoft.com/office/powerpoint/2010/main" val="2450489581"/>
       </p:ext>
     </p:extLst>
   </p:cSld>
@@ -4113,7 +4122,7 @@
     </p:spTree>
     <p:extLst>
       <p:ext uri="{BB962C8B-B14F-4D97-AF65-F5344CB8AC3E}">
-        <p14:creationId xmlns:p14="http://schemas.microsoft.com/office/powerpoint/2010/main" val="3699221536"/>
+        <p14:creationId xmlns:p14="http://schemas.microsoft.com/office/powerpoint/2010/main" val="2497030026"/>
       </p:ext>
     </p:extLst>
   </p:cSld>
@@ -4368,7 +4377,7 @@
     </p:spTree>
     <p:extLst>
       <p:ext uri="{BB962C8B-B14F-4D97-AF65-F5344CB8AC3E}">
-        <p14:creationId xmlns:p14="http://schemas.microsoft.com/office/powerpoint/2010/main" val="2960054035"/>
+        <p14:creationId xmlns:p14="http://schemas.microsoft.com/office/powerpoint/2010/main" val="2175317740"/>
       </p:ext>
     </p:extLst>
   </p:cSld>
@@ -4489,9 +4498,10 @@
           </a:lstStyle>
           <a:p>
             <a:r>
-              <a:rPr lang="en-US" dirty="0"/>
+              <a:rPr lang="en-US"/>
               <a:t>Click icon to add picture</a:t>
             </a:r>
+            <a:endParaRPr lang="en-US" dirty="0"/>
           </a:p>
         </p:txBody>
       </p:sp>
@@ -4564,6 +4574,48 @@
       </p:sp>
       <p:sp>
         <p:nvSpPr>
+          <p:cNvPr id="6" name="Footer Placeholder 5"/>
+          <p:cNvSpPr>
+            <a:spLocks noGrp="1"/>
+          </p:cNvSpPr>
+          <p:nvPr>
+            <p:ph type="ftr" sz="quarter" idx="11"/>
+          </p:nvPr>
+        </p:nvSpPr>
+        <p:spPr/>
+        <p:txBody>
+          <a:bodyPr/>
+          <a:lstStyle/>
+          <a:p>
+            <a:endParaRPr lang="en-US" dirty="0"/>
+          </a:p>
+        </p:txBody>
+      </p:sp>
+      <p:sp>
+        <p:nvSpPr>
+          <p:cNvPr id="7" name="Slide Number Placeholder 6"/>
+          <p:cNvSpPr>
+            <a:spLocks noGrp="1"/>
+          </p:cNvSpPr>
+          <p:nvPr>
+            <p:ph type="sldNum" sz="quarter" idx="12"/>
+          </p:nvPr>
+        </p:nvSpPr>
+        <p:spPr/>
+        <p:txBody>
+          <a:bodyPr/>
+          <a:lstStyle/>
+          <a:p>
+            <a:fld id="{3F5E553F-7BC6-40F3-9275-6BCD81AD7462}" type="slidenum">
+              <a:rPr lang="en-US" smtClean="0"/>
+              <a:t>‹#›</a:t>
+            </a:fld>
+            <a:endParaRPr lang="en-US" dirty="0"/>
+          </a:p>
+        </p:txBody>
+      </p:sp>
+      <p:sp>
+        <p:nvSpPr>
           <p:cNvPr id="5" name="Date Placeholder 4"/>
           <p:cNvSpPr>
             <a:spLocks noGrp="1"/>
@@ -4585,52 +4637,10 @@
           </a:p>
         </p:txBody>
       </p:sp>
-      <p:sp>
-        <p:nvSpPr>
-          <p:cNvPr id="6" name="Footer Placeholder 5"/>
-          <p:cNvSpPr>
-            <a:spLocks noGrp="1"/>
-          </p:cNvSpPr>
-          <p:nvPr>
-            <p:ph type="ftr" sz="quarter" idx="11"/>
-          </p:nvPr>
-        </p:nvSpPr>
-        <p:spPr/>
-        <p:txBody>
-          <a:bodyPr/>
-          <a:lstStyle/>
-          <a:p>
-            <a:endParaRPr lang="en-US" dirty="0"/>
-          </a:p>
-        </p:txBody>
-      </p:sp>
-      <p:sp>
-        <p:nvSpPr>
-          <p:cNvPr id="7" name="Slide Number Placeholder 6"/>
-          <p:cNvSpPr>
-            <a:spLocks noGrp="1"/>
-          </p:cNvSpPr>
-          <p:nvPr>
-            <p:ph type="sldNum" sz="quarter" idx="12"/>
-          </p:nvPr>
-        </p:nvSpPr>
-        <p:spPr/>
-        <p:txBody>
-          <a:bodyPr/>
-          <a:lstStyle/>
-          <a:p>
-            <a:fld id="{3F5E553F-7BC6-40F3-9275-6BCD81AD7462}" type="slidenum">
-              <a:rPr lang="en-US" smtClean="0"/>
-              <a:t>‹#›</a:t>
-            </a:fld>
-            <a:endParaRPr lang="en-US" dirty="0"/>
-          </a:p>
-        </p:txBody>
-      </p:sp>
     </p:spTree>
     <p:extLst>
       <p:ext uri="{BB962C8B-B14F-4D97-AF65-F5344CB8AC3E}">
-        <p14:creationId xmlns:p14="http://schemas.microsoft.com/office/powerpoint/2010/main" val="3858275386"/>
+        <p14:creationId xmlns:p14="http://schemas.microsoft.com/office/powerpoint/2010/main" val="2774613797"/>
       </p:ext>
     </p:extLst>
   </p:cSld>
@@ -4664,7 +4674,7 @@
       </p:grpSpPr>
       <p:grpSp>
         <p:nvGrpSpPr>
-          <p:cNvPr id="7" name="Group 6"/>
+          <p:cNvPr id="44" name="Group 43"/>
           <p:cNvGrpSpPr/>
           <p:nvPr/>
         </p:nvGrpSpPr>
@@ -4692,8 +4702,8 @@
             </a:prstGeom>
             <a:ln w="9525">
               <a:solidFill>
-                <a:schemeClr val="bg1">
-                  <a:lumMod val="75000"/>
+                <a:schemeClr val="accent1">
+                  <a:alpha val="70000"/>
                 </a:schemeClr>
               </a:solidFill>
             </a:ln>
@@ -4729,8 +4739,8 @@
             </a:prstGeom>
             <a:ln w="9525">
               <a:solidFill>
-                <a:schemeClr val="bg1">
-                  <a:lumMod val="85000"/>
+                <a:schemeClr val="accent1">
+                  <a:alpha val="70000"/>
                 </a:schemeClr>
               </a:solidFill>
             </a:ln>
@@ -4790,7 +4800,7 @@
             </a:custGeom>
             <a:solidFill>
               <a:schemeClr val="accent1">
-                <a:alpha val="30000"/>
+                <a:alpha val="36000"/>
               </a:schemeClr>
             </a:solidFill>
             <a:ln>
@@ -4893,8 +4903,9 @@
               </a:avLst>
             </a:prstGeom>
             <a:solidFill>
-              <a:schemeClr val="accent2">
-                <a:alpha val="72000"/>
+              <a:schemeClr val="accent1">
+                <a:lumMod val="75000"/>
+                <a:alpha val="66000"/>
               </a:schemeClr>
             </a:solidFill>
             <a:ln>
@@ -4956,9 +4967,9 @@
               </a:pathLst>
             </a:custGeom>
             <a:solidFill>
-              <a:schemeClr val="accent2">
+              <a:schemeClr val="accent1">
                 <a:lumMod val="75000"/>
-                <a:alpha val="70000"/>
+                <a:alpha val="50000"/>
               </a:schemeClr>
             </a:solidFill>
             <a:ln>
@@ -5020,9 +5031,7 @@
               </a:pathLst>
             </a:custGeom>
             <a:solidFill>
-              <a:schemeClr val="accent1">
-                <a:lumMod val="60000"/>
-                <a:lumOff val="40000"/>
+              <a:schemeClr val="accent2">
                 <a:alpha val="70000"/>
               </a:schemeClr>
             </a:solidFill>
@@ -5085,8 +5094,9 @@
               </a:pathLst>
             </a:custGeom>
             <a:solidFill>
-              <a:schemeClr val="accent1">
-                <a:alpha val="65000"/>
+              <a:schemeClr val="accent2">
+                <a:lumMod val="75000"/>
+                <a:alpha val="80000"/>
               </a:schemeClr>
             </a:solidFill>
             <a:ln>
@@ -5127,7 +5137,8 @@
             </a:prstGeom>
             <a:solidFill>
               <a:schemeClr val="accent1">
-                <a:alpha val="80000"/>
+                <a:lumMod val="75000"/>
+                <a:alpha val="66000"/>
               </a:schemeClr>
             </a:solidFill>
             <a:ln>
@@ -5152,7 +5163,7 @@
         </p:sp>
         <p:sp>
           <p:nvSpPr>
-            <p:cNvPr id="29" name="Isosceles Triangle 28"/>
+            <p:cNvPr id="19" name="Isosceles Triangle 18"/>
             <p:cNvSpPr/>
             <p:nvPr/>
           </p:nvSpPr>
@@ -5168,7 +5179,7 @@
             </a:prstGeom>
             <a:solidFill>
               <a:schemeClr val="accent1">
-                <a:alpha val="85000"/>
+                <a:alpha val="70000"/>
               </a:schemeClr>
             </a:solidFill>
             <a:ln>
@@ -5407,28 +5418,28 @@
     </p:spTree>
     <p:extLst>
       <p:ext uri="{BB962C8B-B14F-4D97-AF65-F5344CB8AC3E}">
-        <p14:creationId xmlns:p14="http://schemas.microsoft.com/office/powerpoint/2010/main" val="2460795403"/>
+        <p14:creationId xmlns:p14="http://schemas.microsoft.com/office/powerpoint/2010/main" val="2688951300"/>
       </p:ext>
     </p:extLst>
   </p:cSld>
   <p:clrMap bg1="lt1" tx1="dk1" bg2="lt2" tx2="dk2" accent1="accent1" accent2="accent2" accent3="accent3" accent4="accent4" accent5="accent5" accent6="accent6" hlink="hlink" folHlink="folHlink"/>
   <p:sldLayoutIdLst>
-    <p:sldLayoutId id="2147483661" r:id="rId1"/>
-    <p:sldLayoutId id="2147483662" r:id="rId2"/>
-    <p:sldLayoutId id="2147483663" r:id="rId3"/>
-    <p:sldLayoutId id="2147483664" r:id="rId4"/>
-    <p:sldLayoutId id="2147483665" r:id="rId5"/>
-    <p:sldLayoutId id="2147483666" r:id="rId6"/>
-    <p:sldLayoutId id="2147483667" r:id="rId7"/>
-    <p:sldLayoutId id="2147483668" r:id="rId8"/>
-    <p:sldLayoutId id="2147483669" r:id="rId9"/>
-    <p:sldLayoutId id="2147483670" r:id="rId10"/>
-    <p:sldLayoutId id="2147483671" r:id="rId11"/>
-    <p:sldLayoutId id="2147483672" r:id="rId12"/>
-    <p:sldLayoutId id="2147483673" r:id="rId13"/>
-    <p:sldLayoutId id="2147483674" r:id="rId14"/>
-    <p:sldLayoutId id="2147483675" r:id="rId15"/>
-    <p:sldLayoutId id="2147483676" r:id="rId16"/>
+    <p:sldLayoutId id="2147483678" r:id="rId1"/>
+    <p:sldLayoutId id="2147483679" r:id="rId2"/>
+    <p:sldLayoutId id="2147483680" r:id="rId3"/>
+    <p:sldLayoutId id="2147483681" r:id="rId4"/>
+    <p:sldLayoutId id="2147483682" r:id="rId5"/>
+    <p:sldLayoutId id="2147483683" r:id="rId6"/>
+    <p:sldLayoutId id="2147483684" r:id="rId7"/>
+    <p:sldLayoutId id="2147483685" r:id="rId8"/>
+    <p:sldLayoutId id="2147483686" r:id="rId9"/>
+    <p:sldLayoutId id="2147483687" r:id="rId10"/>
+    <p:sldLayoutId id="2147483688" r:id="rId11"/>
+    <p:sldLayoutId id="2147483689" r:id="rId12"/>
+    <p:sldLayoutId id="2147483690" r:id="rId13"/>
+    <p:sldLayoutId id="2147483691" r:id="rId14"/>
+    <p:sldLayoutId id="2147483692" r:id="rId15"/>
+    <p:sldLayoutId id="2147483693" r:id="rId16"/>
   </p:sldLayoutIdLst>
   <p:txStyles>
     <p:titleStyle>
@@ -5874,7 +5885,7 @@
           <a:p>
             <a:pPr algn="ctr"/>
             <a:br>
-              <a:rPr lang="en-US" dirty="0">
+              <a:rPr lang="en-US">
                 <a:solidFill>
                   <a:schemeClr val="accent5">
                     <a:lumMod val="60000"/>
@@ -5884,7 +5895,7 @@
               </a:rPr>
             </a:br>
             <a:br>
-              <a:rPr lang="en-US" dirty="0">
+              <a:rPr lang="en-US">
                 <a:solidFill>
                   <a:schemeClr val="accent5">
                     <a:lumMod val="60000"/>
@@ -5894,7 +5905,7 @@
               </a:rPr>
             </a:br>
             <a:r>
-              <a:rPr lang="en-US" dirty="0">
+              <a:rPr lang="en-US">
                 <a:solidFill>
                   <a:schemeClr val="accent5">
                     <a:lumMod val="60000"/>
@@ -5905,7 +5916,7 @@
               <a:t>Air Quality Index </a:t>
             </a:r>
             <a:br>
-              <a:rPr lang="en-US" dirty="0">
+              <a:rPr lang="en-US">
                 <a:solidFill>
                   <a:schemeClr val="accent5">
                     <a:lumMod val="60000"/>
@@ -5915,7 +5926,7 @@
               </a:rPr>
             </a:br>
             <a:r>
-              <a:rPr lang="en-US" dirty="0">
+              <a:rPr lang="en-US">
                 <a:solidFill>
                   <a:schemeClr val="accent5">
                     <a:lumMod val="60000"/>
@@ -5925,6 +5936,14 @@
               </a:rPr>
               <a:t>Analysis</a:t>
             </a:r>
+            <a:endParaRPr lang="en-US" dirty="0">
+              <a:solidFill>
+                <a:schemeClr val="accent5">
+                  <a:lumMod val="60000"/>
+                  <a:lumOff val="40000"/>
+                </a:schemeClr>
+              </a:solidFill>
+            </a:endParaRPr>
           </a:p>
         </p:txBody>
       </p:sp>
@@ -5958,7 +5977,7 @@
           <a:p>
             <a:pPr algn="ctr"/>
             <a:r>
-              <a:rPr lang="en-US" dirty="0">
+              <a:rPr lang="en-US">
                 <a:solidFill>
                   <a:schemeClr val="tx1"/>
                 </a:solidFill>
@@ -5969,13 +5988,18 @@
           <a:p>
             <a:pPr algn="ctr"/>
             <a:r>
-              <a:rPr lang="en-US" dirty="0">
+              <a:rPr lang="en-US">
                 <a:solidFill>
                   <a:schemeClr val="tx1"/>
                 </a:solidFill>
               </a:rPr>
               <a:t> Ewansiha Simmons, Kendall Young &amp; Phil Faulkner</a:t>
             </a:r>
+            <a:endParaRPr lang="en-US" dirty="0">
+              <a:solidFill>
+                <a:schemeClr val="tx1"/>
+              </a:solidFill>
+            </a:endParaRPr>
           </a:p>
         </p:txBody>
       </p:sp>
@@ -6223,7 +6247,7 @@
         <p:spPr>
           <a:xfrm>
             <a:off x="677334" y="1584325"/>
-            <a:ext cx="9151937" cy="3321050"/>
+            <a:ext cx="9151937" cy="4008092"/>
           </a:xfrm>
         </p:spPr>
         <p:txBody>
@@ -6288,15 +6312,8 @@
             </a:pPr>
             <a:r>
               <a:rPr lang="en-US" dirty="0"/>
-              <a:t>How else can we evaluate the Air Quality Index?</a:t>
-            </a:r>
-          </a:p>
-          <a:p>
-            <a:pPr marL="342900" indent="-342900">
-              <a:buFont typeface="Arial" panose="020B0604020202020204" pitchFamily="34" charset="0"/>
-              <a:buChar char="•"/>
-            </a:pPr>
-            <a:endParaRPr lang="en-US" dirty="0"/>
+              <a:t>Further analysis on correlations between AQI and specific illnesses, especially  respiratory ailments </a:t>
+            </a:r>
           </a:p>
           <a:p>
             <a:pPr marL="342900" indent="-342900">
@@ -6614,703 +6631,6 @@
           <a:chExt cx="0" cy="0"/>
         </a:xfrm>
       </p:grpSpPr>
-      <p:grpSp>
-        <p:nvGrpSpPr>
-          <p:cNvPr id="10" name="Group 9">
-            <a:extLst>
-              <a:ext uri="{FF2B5EF4-FFF2-40B4-BE49-F238E27FC236}">
-                <a16:creationId xmlns:a16="http://schemas.microsoft.com/office/drawing/2014/main" id="{B4DE830A-B531-4A3B-96F6-0ECE88B08555}"/>
-              </a:ext>
-              <a:ext uri="{C183D7F6-B498-43B3-948B-1728B52AA6E4}">
-                <adec:decorative xmlns:adec="http://schemas.microsoft.com/office/drawing/2017/decorative" val="1"/>
-              </a:ext>
-            </a:extLst>
-          </p:cNvPr>
-          <p:cNvGrpSpPr>
-            <a:grpSpLocks noGrp="1" noUngrp="1" noRot="1" noChangeAspect="1" noMove="1" noResize="1"/>
-          </p:cNvGrpSpPr>
-          <p:nvPr>
-            <p:extLst>
-              <p:ext uri="{386F3935-93C4-4BCD-93E2-E3B085C9AB24}">
-                <p16:designElem xmlns:p16="http://schemas.microsoft.com/office/powerpoint/2015/main" val="1"/>
-              </p:ext>
-            </p:extLst>
-          </p:nvPr>
-        </p:nvGrpSpPr>
-        <p:grpSpPr>
-          <a:xfrm>
-            <a:off x="0" y="-8467"/>
-            <a:ext cx="12192000" cy="6866467"/>
-            <a:chOff x="0" y="-8467"/>
-            <a:chExt cx="12192000" cy="6866467"/>
-          </a:xfrm>
-        </p:grpSpPr>
-        <p:cxnSp>
-          <p:nvCxnSpPr>
-            <p:cNvPr id="11" name="Straight Connector 10">
-              <a:extLst>
-                <a:ext uri="{FF2B5EF4-FFF2-40B4-BE49-F238E27FC236}">
-                  <a16:creationId xmlns:a16="http://schemas.microsoft.com/office/drawing/2014/main" id="{2813DF2C-461A-4A8F-9679-A172790D1F3A}"/>
-                </a:ext>
-                <a:ext uri="{C183D7F6-B498-43B3-948B-1728B52AA6E4}">
-                  <adec:decorative xmlns:adec="http://schemas.microsoft.com/office/drawing/2017/decorative" val="1"/>
-                </a:ext>
-              </a:extLst>
-            </p:cNvPr>
-            <p:cNvCxnSpPr/>
-            <p:nvPr>
-              <p:extLst>
-                <p:ext uri="{386F3935-93C4-4BCD-93E2-E3B085C9AB24}">
-                  <p16:designElem xmlns:p16="http://schemas.microsoft.com/office/powerpoint/2015/main" val="1"/>
-                </p:ext>
-              </p:extLst>
-            </p:nvPr>
-          </p:nvCxnSpPr>
-          <p:spPr>
-            <a:xfrm>
-              <a:off x="9371012" y="0"/>
-              <a:ext cx="1219200" cy="6858000"/>
-            </a:xfrm>
-            <a:prstGeom prst="line">
-              <a:avLst/>
-            </a:prstGeom>
-            <a:ln w="9525">
-              <a:solidFill>
-                <a:schemeClr val="bg1">
-                  <a:lumMod val="75000"/>
-                </a:schemeClr>
-              </a:solidFill>
-            </a:ln>
-          </p:spPr>
-          <p:style>
-            <a:lnRef idx="2">
-              <a:schemeClr val="accent1"/>
-            </a:lnRef>
-            <a:fillRef idx="0">
-              <a:schemeClr val="accent1"/>
-            </a:fillRef>
-            <a:effectRef idx="1">
-              <a:schemeClr val="accent1"/>
-            </a:effectRef>
-            <a:fontRef idx="minor">
-              <a:schemeClr val="tx1"/>
-            </a:fontRef>
-          </p:style>
-        </p:cxnSp>
-        <p:cxnSp>
-          <p:nvCxnSpPr>
-            <p:cNvPr id="12" name="Straight Connector 11">
-              <a:extLst>
-                <a:ext uri="{FF2B5EF4-FFF2-40B4-BE49-F238E27FC236}">
-                  <a16:creationId xmlns:a16="http://schemas.microsoft.com/office/drawing/2014/main" id="{54CD3A85-C039-4249-86E4-1EB9318B5495}"/>
-                </a:ext>
-                <a:ext uri="{C183D7F6-B498-43B3-948B-1728B52AA6E4}">
-                  <adec:decorative xmlns:adec="http://schemas.microsoft.com/office/drawing/2017/decorative" val="1"/>
-                </a:ext>
-              </a:extLst>
-            </p:cNvPr>
-            <p:cNvCxnSpPr/>
-            <p:nvPr>
-              <p:extLst>
-                <p:ext uri="{386F3935-93C4-4BCD-93E2-E3B085C9AB24}">
-                  <p16:designElem xmlns:p16="http://schemas.microsoft.com/office/powerpoint/2015/main" val="1"/>
-                </p:ext>
-              </p:extLst>
-            </p:nvPr>
-          </p:nvCxnSpPr>
-          <p:spPr>
-            <a:xfrm flipH="1">
-              <a:off x="7425267" y="3681413"/>
-              <a:ext cx="4763558" cy="3176587"/>
-            </a:xfrm>
-            <a:prstGeom prst="line">
-              <a:avLst/>
-            </a:prstGeom>
-            <a:ln w="9525">
-              <a:solidFill>
-                <a:schemeClr val="bg1">
-                  <a:lumMod val="85000"/>
-                </a:schemeClr>
-              </a:solidFill>
-            </a:ln>
-          </p:spPr>
-          <p:style>
-            <a:lnRef idx="2">
-              <a:schemeClr val="accent1"/>
-            </a:lnRef>
-            <a:fillRef idx="0">
-              <a:schemeClr val="accent1"/>
-            </a:fillRef>
-            <a:effectRef idx="1">
-              <a:schemeClr val="accent1"/>
-            </a:effectRef>
-            <a:fontRef idx="minor">
-              <a:schemeClr val="tx1"/>
-            </a:fontRef>
-          </p:style>
-        </p:cxnSp>
-        <p:sp>
-          <p:nvSpPr>
-            <p:cNvPr id="13" name="Rectangle 23">
-              <a:extLst>
-                <a:ext uri="{FF2B5EF4-FFF2-40B4-BE49-F238E27FC236}">
-                  <a16:creationId xmlns:a16="http://schemas.microsoft.com/office/drawing/2014/main" id="{887EA6D2-2883-42C2-993D-094CA6D65DA3}"/>
-                </a:ext>
-                <a:ext uri="{C183D7F6-B498-43B3-948B-1728B52AA6E4}">
-                  <adec:decorative xmlns:adec="http://schemas.microsoft.com/office/drawing/2017/decorative" val="1"/>
-                </a:ext>
-              </a:extLst>
-            </p:cNvPr>
-            <p:cNvSpPr/>
-            <p:nvPr>
-              <p:extLst>
-                <p:ext uri="{386F3935-93C4-4BCD-93E2-E3B085C9AB24}">
-                  <p16:designElem xmlns:p16="http://schemas.microsoft.com/office/powerpoint/2015/main" val="1"/>
-                </p:ext>
-              </p:extLst>
-            </p:nvPr>
-          </p:nvSpPr>
-          <p:spPr>
-            <a:xfrm>
-              <a:off x="9181476" y="-8467"/>
-              <a:ext cx="3007349" cy="6866467"/>
-            </a:xfrm>
-            <a:custGeom>
-              <a:avLst/>
-              <a:gdLst/>
-              <a:ahLst/>
-              <a:cxnLst/>
-              <a:rect l="l" t="t" r="r" b="b"/>
-              <a:pathLst>
-                <a:path w="3007349" h="6866467">
-                  <a:moveTo>
-                    <a:pt x="2045532" y="0"/>
-                  </a:moveTo>
-                  <a:lnTo>
-                    <a:pt x="3007349" y="0"/>
-                  </a:lnTo>
-                  <a:lnTo>
-                    <a:pt x="3007349" y="6866467"/>
-                  </a:lnTo>
-                  <a:lnTo>
-                    <a:pt x="0" y="6866467"/>
-                  </a:lnTo>
-                  <a:lnTo>
-                    <a:pt x="2045532" y="0"/>
-                  </a:lnTo>
-                  <a:close/>
-                </a:path>
-              </a:pathLst>
-            </a:custGeom>
-            <a:solidFill>
-              <a:schemeClr val="accent1">
-                <a:alpha val="30000"/>
-              </a:schemeClr>
-            </a:solidFill>
-            <a:ln>
-              <a:noFill/>
-            </a:ln>
-            <a:effectLst/>
-          </p:spPr>
-          <p:style>
-            <a:lnRef idx="1">
-              <a:schemeClr val="accent1"/>
-            </a:lnRef>
-            <a:fillRef idx="3">
-              <a:schemeClr val="accent1"/>
-            </a:fillRef>
-            <a:effectRef idx="2">
-              <a:schemeClr val="accent1"/>
-            </a:effectRef>
-            <a:fontRef idx="minor">
-              <a:schemeClr val="lt1"/>
-            </a:fontRef>
-          </p:style>
-        </p:sp>
-        <p:sp>
-          <p:nvSpPr>
-            <p:cNvPr id="14" name="Rectangle 25">
-              <a:extLst>
-                <a:ext uri="{FF2B5EF4-FFF2-40B4-BE49-F238E27FC236}">
-                  <a16:creationId xmlns:a16="http://schemas.microsoft.com/office/drawing/2014/main" id="{3B895046-636F-4D1B-ACA4-29AA0CB3329F}"/>
-                </a:ext>
-                <a:ext uri="{C183D7F6-B498-43B3-948B-1728B52AA6E4}">
-                  <adec:decorative xmlns:adec="http://schemas.microsoft.com/office/drawing/2017/decorative" val="1"/>
-                </a:ext>
-              </a:extLst>
-            </p:cNvPr>
-            <p:cNvSpPr/>
-            <p:nvPr>
-              <p:extLst>
-                <p:ext uri="{386F3935-93C4-4BCD-93E2-E3B085C9AB24}">
-                  <p16:designElem xmlns:p16="http://schemas.microsoft.com/office/powerpoint/2015/main" val="1"/>
-                </p:ext>
-              </p:extLst>
-            </p:nvPr>
-          </p:nvSpPr>
-          <p:spPr>
-            <a:xfrm>
-              <a:off x="9603442" y="-8467"/>
-              <a:ext cx="2588558" cy="6866467"/>
-            </a:xfrm>
-            <a:custGeom>
-              <a:avLst/>
-              <a:gdLst/>
-              <a:ahLst/>
-              <a:cxnLst/>
-              <a:rect l="l" t="t" r="r" b="b"/>
-              <a:pathLst>
-                <a:path w="2573311" h="6866467">
-                  <a:moveTo>
-                    <a:pt x="0" y="0"/>
-                  </a:moveTo>
-                  <a:lnTo>
-                    <a:pt x="2573311" y="0"/>
-                  </a:lnTo>
-                  <a:lnTo>
-                    <a:pt x="2573311" y="6866467"/>
-                  </a:lnTo>
-                  <a:lnTo>
-                    <a:pt x="1202336" y="6866467"/>
-                  </a:lnTo>
-                  <a:lnTo>
-                    <a:pt x="0" y="0"/>
-                  </a:lnTo>
-                  <a:close/>
-                </a:path>
-              </a:pathLst>
-            </a:custGeom>
-            <a:solidFill>
-              <a:schemeClr val="accent1">
-                <a:alpha val="20000"/>
-              </a:schemeClr>
-            </a:solidFill>
-            <a:ln>
-              <a:noFill/>
-            </a:ln>
-            <a:effectLst/>
-          </p:spPr>
-          <p:style>
-            <a:lnRef idx="1">
-              <a:schemeClr val="accent1"/>
-            </a:lnRef>
-            <a:fillRef idx="3">
-              <a:schemeClr val="accent1"/>
-            </a:fillRef>
-            <a:effectRef idx="2">
-              <a:schemeClr val="accent1"/>
-            </a:effectRef>
-            <a:fontRef idx="minor">
-              <a:schemeClr val="lt1"/>
-            </a:fontRef>
-          </p:style>
-        </p:sp>
-        <p:sp>
-          <p:nvSpPr>
-            <p:cNvPr id="15" name="Isosceles Triangle 14">
-              <a:extLst>
-                <a:ext uri="{FF2B5EF4-FFF2-40B4-BE49-F238E27FC236}">
-                  <a16:creationId xmlns:a16="http://schemas.microsoft.com/office/drawing/2014/main" id="{C6B0CDE3-E054-4EDD-A43B-F96843D8BF51}"/>
-                </a:ext>
-                <a:ext uri="{C183D7F6-B498-43B3-948B-1728B52AA6E4}">
-                  <adec:decorative xmlns:adec="http://schemas.microsoft.com/office/drawing/2017/decorative" val="1"/>
-                </a:ext>
-              </a:extLst>
-            </p:cNvPr>
-            <p:cNvSpPr/>
-            <p:nvPr>
-              <p:extLst>
-                <p:ext uri="{386F3935-93C4-4BCD-93E2-E3B085C9AB24}">
-                  <p16:designElem xmlns:p16="http://schemas.microsoft.com/office/powerpoint/2015/main" val="1"/>
-                </p:ext>
-              </p:extLst>
-            </p:nvPr>
-          </p:nvSpPr>
-          <p:spPr>
-            <a:xfrm>
-              <a:off x="8932333" y="3048000"/>
-              <a:ext cx="3259667" cy="3810000"/>
-            </a:xfrm>
-            <a:prstGeom prst="triangle">
-              <a:avLst>
-                <a:gd name="adj" fmla="val 100000"/>
-              </a:avLst>
-            </a:prstGeom>
-            <a:solidFill>
-              <a:schemeClr val="accent2">
-                <a:alpha val="72000"/>
-              </a:schemeClr>
-            </a:solidFill>
-            <a:ln>
-              <a:noFill/>
-            </a:ln>
-            <a:effectLst/>
-          </p:spPr>
-          <p:style>
-            <a:lnRef idx="1">
-              <a:schemeClr val="accent1"/>
-            </a:lnRef>
-            <a:fillRef idx="3">
-              <a:schemeClr val="accent1"/>
-            </a:fillRef>
-            <a:effectRef idx="2">
-              <a:schemeClr val="accent1"/>
-            </a:effectRef>
-            <a:fontRef idx="minor">
-              <a:schemeClr val="lt1"/>
-            </a:fontRef>
-          </p:style>
-        </p:sp>
-        <p:sp>
-          <p:nvSpPr>
-            <p:cNvPr id="16" name="Rectangle 27">
-              <a:extLst>
-                <a:ext uri="{FF2B5EF4-FFF2-40B4-BE49-F238E27FC236}">
-                  <a16:creationId xmlns:a16="http://schemas.microsoft.com/office/drawing/2014/main" id="{3B66B1A2-F145-4C9B-85CC-4BF30D58CBC5}"/>
-                </a:ext>
-                <a:ext uri="{C183D7F6-B498-43B3-948B-1728B52AA6E4}">
-                  <adec:decorative xmlns:adec="http://schemas.microsoft.com/office/drawing/2017/decorative" val="1"/>
-                </a:ext>
-              </a:extLst>
-            </p:cNvPr>
-            <p:cNvSpPr/>
-            <p:nvPr>
-              <p:extLst>
-                <p:ext uri="{386F3935-93C4-4BCD-93E2-E3B085C9AB24}">
-                  <p16:designElem xmlns:p16="http://schemas.microsoft.com/office/powerpoint/2015/main" val="1"/>
-                </p:ext>
-              </p:extLst>
-            </p:nvPr>
-          </p:nvSpPr>
-          <p:spPr>
-            <a:xfrm>
-              <a:off x="9334500" y="-8467"/>
-              <a:ext cx="2854326" cy="6866467"/>
-            </a:xfrm>
-            <a:custGeom>
-              <a:avLst/>
-              <a:gdLst/>
-              <a:ahLst/>
-              <a:cxnLst/>
-              <a:rect l="l" t="t" r="r" b="b"/>
-              <a:pathLst>
-                <a:path w="2858013" h="6866467">
-                  <a:moveTo>
-                    <a:pt x="0" y="0"/>
-                  </a:moveTo>
-                  <a:lnTo>
-                    <a:pt x="2858013" y="0"/>
-                  </a:lnTo>
-                  <a:lnTo>
-                    <a:pt x="2858013" y="6866467"/>
-                  </a:lnTo>
-                  <a:lnTo>
-                    <a:pt x="2473942" y="6866467"/>
-                  </a:lnTo>
-                  <a:lnTo>
-                    <a:pt x="0" y="0"/>
-                  </a:lnTo>
-                  <a:close/>
-                </a:path>
-              </a:pathLst>
-            </a:custGeom>
-            <a:solidFill>
-              <a:schemeClr val="accent2">
-                <a:lumMod val="75000"/>
-                <a:alpha val="70000"/>
-              </a:schemeClr>
-            </a:solidFill>
-            <a:ln>
-              <a:noFill/>
-            </a:ln>
-            <a:effectLst/>
-          </p:spPr>
-          <p:style>
-            <a:lnRef idx="1">
-              <a:schemeClr val="accent1"/>
-            </a:lnRef>
-            <a:fillRef idx="3">
-              <a:schemeClr val="accent1"/>
-            </a:fillRef>
-            <a:effectRef idx="2">
-              <a:schemeClr val="accent1"/>
-            </a:effectRef>
-            <a:fontRef idx="minor">
-              <a:schemeClr val="lt1"/>
-            </a:fontRef>
-          </p:style>
-        </p:sp>
-        <p:sp>
-          <p:nvSpPr>
-            <p:cNvPr id="17" name="Rectangle 28">
-              <a:extLst>
-                <a:ext uri="{FF2B5EF4-FFF2-40B4-BE49-F238E27FC236}">
-                  <a16:creationId xmlns:a16="http://schemas.microsoft.com/office/drawing/2014/main" id="{5D4FC972-94B3-4035-8D31-E668C132B411}"/>
-                </a:ext>
-                <a:ext uri="{C183D7F6-B498-43B3-948B-1728B52AA6E4}">
-                  <adec:decorative xmlns:adec="http://schemas.microsoft.com/office/drawing/2017/decorative" val="1"/>
-                </a:ext>
-              </a:extLst>
-            </p:cNvPr>
-            <p:cNvSpPr/>
-            <p:nvPr>
-              <p:extLst>
-                <p:ext uri="{386F3935-93C4-4BCD-93E2-E3B085C9AB24}">
-                  <p16:designElem xmlns:p16="http://schemas.microsoft.com/office/powerpoint/2015/main" val="1"/>
-                </p:ext>
-              </p:extLst>
-            </p:nvPr>
-          </p:nvSpPr>
-          <p:spPr>
-            <a:xfrm>
-              <a:off x="10898730" y="-8467"/>
-              <a:ext cx="1290094" cy="6866467"/>
-            </a:xfrm>
-            <a:custGeom>
-              <a:avLst/>
-              <a:gdLst/>
-              <a:ahLst/>
-              <a:cxnLst/>
-              <a:rect l="l" t="t" r="r" b="b"/>
-              <a:pathLst>
-                <a:path w="1290094" h="6858000">
-                  <a:moveTo>
-                    <a:pt x="1019735" y="0"/>
-                  </a:moveTo>
-                  <a:lnTo>
-                    <a:pt x="1290094" y="0"/>
-                  </a:lnTo>
-                  <a:lnTo>
-                    <a:pt x="1290094" y="6858000"/>
-                  </a:lnTo>
-                  <a:lnTo>
-                    <a:pt x="0" y="6858000"/>
-                  </a:lnTo>
-                  <a:lnTo>
-                    <a:pt x="1019735" y="0"/>
-                  </a:lnTo>
-                  <a:close/>
-                </a:path>
-              </a:pathLst>
-            </a:custGeom>
-            <a:solidFill>
-              <a:schemeClr val="accent1">
-                <a:lumMod val="60000"/>
-                <a:lumOff val="40000"/>
-                <a:alpha val="70000"/>
-              </a:schemeClr>
-            </a:solidFill>
-            <a:ln>
-              <a:noFill/>
-            </a:ln>
-            <a:effectLst/>
-          </p:spPr>
-          <p:style>
-            <a:lnRef idx="1">
-              <a:schemeClr val="accent1"/>
-            </a:lnRef>
-            <a:fillRef idx="3">
-              <a:schemeClr val="accent1"/>
-            </a:fillRef>
-            <a:effectRef idx="2">
-              <a:schemeClr val="accent1"/>
-            </a:effectRef>
-            <a:fontRef idx="minor">
-              <a:schemeClr val="lt1"/>
-            </a:fontRef>
-          </p:style>
-        </p:sp>
-        <p:sp>
-          <p:nvSpPr>
-            <p:cNvPr id="18" name="Rectangle 29">
-              <a:extLst>
-                <a:ext uri="{FF2B5EF4-FFF2-40B4-BE49-F238E27FC236}">
-                  <a16:creationId xmlns:a16="http://schemas.microsoft.com/office/drawing/2014/main" id="{374B9941-AFBE-4A77-A50E-B6EA04A746AE}"/>
-                </a:ext>
-                <a:ext uri="{C183D7F6-B498-43B3-948B-1728B52AA6E4}">
-                  <adec:decorative xmlns:adec="http://schemas.microsoft.com/office/drawing/2017/decorative" val="1"/>
-                </a:ext>
-              </a:extLst>
-            </p:cNvPr>
-            <p:cNvSpPr/>
-            <p:nvPr>
-              <p:extLst>
-                <p:ext uri="{386F3935-93C4-4BCD-93E2-E3B085C9AB24}">
-                  <p16:designElem xmlns:p16="http://schemas.microsoft.com/office/powerpoint/2015/main" val="1"/>
-                </p:ext>
-              </p:extLst>
-            </p:nvPr>
-          </p:nvSpPr>
-          <p:spPr>
-            <a:xfrm>
-              <a:off x="10938999" y="-8467"/>
-              <a:ext cx="1249825" cy="6866467"/>
-            </a:xfrm>
-            <a:custGeom>
-              <a:avLst/>
-              <a:gdLst/>
-              <a:ahLst/>
-              <a:cxnLst/>
-              <a:rect l="l" t="t" r="r" b="b"/>
-              <a:pathLst>
-                <a:path w="1249825" h="6858000">
-                  <a:moveTo>
-                    <a:pt x="0" y="0"/>
-                  </a:moveTo>
-                  <a:lnTo>
-                    <a:pt x="1249825" y="0"/>
-                  </a:lnTo>
-                  <a:lnTo>
-                    <a:pt x="1249825" y="6858000"/>
-                  </a:lnTo>
-                  <a:lnTo>
-                    <a:pt x="1109382" y="6858000"/>
-                  </a:lnTo>
-                  <a:lnTo>
-                    <a:pt x="0" y="0"/>
-                  </a:lnTo>
-                  <a:close/>
-                </a:path>
-              </a:pathLst>
-            </a:custGeom>
-            <a:solidFill>
-              <a:schemeClr val="accent1">
-                <a:alpha val="65000"/>
-              </a:schemeClr>
-            </a:solidFill>
-            <a:ln>
-              <a:noFill/>
-            </a:ln>
-            <a:effectLst/>
-          </p:spPr>
-          <p:style>
-            <a:lnRef idx="1">
-              <a:schemeClr val="accent1"/>
-            </a:lnRef>
-            <a:fillRef idx="3">
-              <a:schemeClr val="accent1"/>
-            </a:fillRef>
-            <a:effectRef idx="2">
-              <a:schemeClr val="accent1"/>
-            </a:effectRef>
-            <a:fontRef idx="minor">
-              <a:schemeClr val="lt1"/>
-            </a:fontRef>
-          </p:style>
-        </p:sp>
-        <p:sp>
-          <p:nvSpPr>
-            <p:cNvPr id="19" name="Isosceles Triangle 18">
-              <a:extLst>
-                <a:ext uri="{FF2B5EF4-FFF2-40B4-BE49-F238E27FC236}">
-                  <a16:creationId xmlns:a16="http://schemas.microsoft.com/office/drawing/2014/main" id="{27A982C5-2C38-4CE9-BC18-94697AD657FB}"/>
-                </a:ext>
-                <a:ext uri="{C183D7F6-B498-43B3-948B-1728B52AA6E4}">
-                  <adec:decorative xmlns:adec="http://schemas.microsoft.com/office/drawing/2017/decorative" val="1"/>
-                </a:ext>
-              </a:extLst>
-            </p:cNvPr>
-            <p:cNvSpPr/>
-            <p:nvPr>
-              <p:extLst>
-                <p:ext uri="{386F3935-93C4-4BCD-93E2-E3B085C9AB24}">
-                  <p16:designElem xmlns:p16="http://schemas.microsoft.com/office/powerpoint/2015/main" val="1"/>
-                </p:ext>
-              </p:extLst>
-            </p:nvPr>
-          </p:nvSpPr>
-          <p:spPr>
-            <a:xfrm>
-              <a:off x="10371666" y="3589867"/>
-              <a:ext cx="1817159" cy="3268133"/>
-            </a:xfrm>
-            <a:prstGeom prst="triangle">
-              <a:avLst>
-                <a:gd name="adj" fmla="val 100000"/>
-              </a:avLst>
-            </a:prstGeom>
-            <a:solidFill>
-              <a:schemeClr val="accent1">
-                <a:alpha val="80000"/>
-              </a:schemeClr>
-            </a:solidFill>
-            <a:ln>
-              <a:noFill/>
-            </a:ln>
-            <a:effectLst/>
-          </p:spPr>
-          <p:style>
-            <a:lnRef idx="1">
-              <a:schemeClr val="accent1"/>
-            </a:lnRef>
-            <a:fillRef idx="3">
-              <a:schemeClr val="accent1"/>
-            </a:fillRef>
-            <a:effectRef idx="2">
-              <a:schemeClr val="accent1"/>
-            </a:effectRef>
-            <a:fontRef idx="minor">
-              <a:schemeClr val="lt1"/>
-            </a:fontRef>
-          </p:style>
-        </p:sp>
-        <p:sp>
-          <p:nvSpPr>
-            <p:cNvPr id="20" name="Isosceles Triangle 19">
-              <a:extLst>
-                <a:ext uri="{FF2B5EF4-FFF2-40B4-BE49-F238E27FC236}">
-                  <a16:creationId xmlns:a16="http://schemas.microsoft.com/office/drawing/2014/main" id="{0060D8D1-7BB1-498F-AFBB-ADAC130A9E90}"/>
-                </a:ext>
-                <a:ext uri="{C183D7F6-B498-43B3-948B-1728B52AA6E4}">
-                  <adec:decorative xmlns:adec="http://schemas.microsoft.com/office/drawing/2017/decorative" val="1"/>
-                </a:ext>
-              </a:extLst>
-            </p:cNvPr>
-            <p:cNvSpPr/>
-            <p:nvPr>
-              <p:extLst>
-                <p:ext uri="{386F3935-93C4-4BCD-93E2-E3B085C9AB24}">
-                  <p16:designElem xmlns:p16="http://schemas.microsoft.com/office/powerpoint/2015/main" val="1"/>
-                </p:ext>
-              </p:extLst>
-            </p:nvPr>
-          </p:nvSpPr>
-          <p:spPr>
-            <a:xfrm rot="10800000">
-              <a:off x="0" y="0"/>
-              <a:ext cx="842596" cy="5666154"/>
-            </a:xfrm>
-            <a:prstGeom prst="triangle">
-              <a:avLst>
-                <a:gd name="adj" fmla="val 100000"/>
-              </a:avLst>
-            </a:prstGeom>
-            <a:solidFill>
-              <a:schemeClr val="accent1">
-                <a:alpha val="85000"/>
-              </a:schemeClr>
-            </a:solidFill>
-            <a:ln>
-              <a:noFill/>
-            </a:ln>
-            <a:effectLst/>
-          </p:spPr>
-          <p:style>
-            <a:lnRef idx="1">
-              <a:schemeClr val="accent1"/>
-            </a:lnRef>
-            <a:fillRef idx="3">
-              <a:schemeClr val="accent1"/>
-            </a:fillRef>
-            <a:effectRef idx="2">
-              <a:schemeClr val="accent1"/>
-            </a:effectRef>
-            <a:fontRef idx="minor">
-              <a:schemeClr val="lt1"/>
-            </a:fontRef>
-          </p:style>
-        </p:sp>
-      </p:grpSp>
       <p:sp>
         <p:nvSpPr>
           <p:cNvPr id="2" name="Title 1">
@@ -7362,64 +6682,6 @@
             </a:endParaRPr>
           </a:p>
         </p:txBody>
-      </p:sp>
-      <p:sp>
-        <p:nvSpPr>
-          <p:cNvPr id="22" name="Isosceles Triangle 21">
-            <a:extLst>
-              <a:ext uri="{FF2B5EF4-FFF2-40B4-BE49-F238E27FC236}">
-                <a16:creationId xmlns:a16="http://schemas.microsoft.com/office/drawing/2014/main" id="{5A7802B6-FF37-40CF-A7E2-6F2A0D9A91EF}"/>
-              </a:ext>
-              <a:ext uri="{C183D7F6-B498-43B3-948B-1728B52AA6E4}">
-                <adec:decorative xmlns:adec="http://schemas.microsoft.com/office/drawing/2017/decorative" val="1"/>
-              </a:ext>
-            </a:extLst>
-          </p:cNvPr>
-          <p:cNvSpPr>
-            <a:spLocks noGrp="1" noRot="1" noChangeAspect="1" noMove="1" noResize="1" noEditPoints="1" noAdjustHandles="1" noChangeArrowheads="1" noChangeShapeType="1" noTextEdit="1"/>
-          </p:cNvSpPr>
-          <p:nvPr>
-            <p:extLst>
-              <p:ext uri="{386F3935-93C4-4BCD-93E2-E3B085C9AB24}">
-                <p16:designElem xmlns:p16="http://schemas.microsoft.com/office/powerpoint/2015/main" val="1"/>
-              </p:ext>
-            </p:extLst>
-          </p:nvPr>
-        </p:nvSpPr>
-        <p:spPr>
-          <a:xfrm rot="10800000">
-            <a:off x="3174" y="12700"/>
-            <a:ext cx="842596" cy="5666154"/>
-          </a:xfrm>
-          <a:prstGeom prst="triangle">
-            <a:avLst>
-              <a:gd name="adj" fmla="val 100000"/>
-            </a:avLst>
-          </a:prstGeom>
-          <a:solidFill>
-            <a:schemeClr val="accent1">
-              <a:alpha val="85000"/>
-            </a:schemeClr>
-          </a:solidFill>
-          <a:ln>
-            <a:noFill/>
-          </a:ln>
-          <a:effectLst/>
-        </p:spPr>
-        <p:style>
-          <a:lnRef idx="1">
-            <a:schemeClr val="accent1"/>
-          </a:lnRef>
-          <a:fillRef idx="3">
-            <a:schemeClr val="accent1"/>
-          </a:fillRef>
-          <a:effectRef idx="2">
-            <a:schemeClr val="accent1"/>
-          </a:effectRef>
-          <a:fontRef idx="minor">
-            <a:schemeClr val="lt1"/>
-          </a:fontRef>
-        </p:style>
       </p:sp>
       <p:pic>
         <p:nvPicPr>
@@ -8762,28 +8024,28 @@
         <a:srgbClr val="EBEBEB"/>
       </a:lt2>
       <a:accent1>
-        <a:srgbClr val="90C226"/>
+        <a:srgbClr val="5FCBEF"/>
       </a:accent1>
       <a:accent2>
-        <a:srgbClr val="54A021"/>
+        <a:srgbClr val="2E83C3"/>
       </a:accent2>
       <a:accent3>
-        <a:srgbClr val="E6B91E"/>
+        <a:srgbClr val="42D0A2"/>
       </a:accent3>
       <a:accent4>
-        <a:srgbClr val="E76618"/>
+        <a:srgbClr val="2E946B"/>
       </a:accent4>
       <a:accent5>
-        <a:srgbClr val="C42F1A"/>
+        <a:srgbClr val="42B051"/>
       </a:accent5>
       <a:accent6>
-        <a:srgbClr val="918655"/>
+        <a:srgbClr val="96D141"/>
       </a:accent6>
       <a:hlink>
-        <a:srgbClr val="99CA3C"/>
+        <a:srgbClr val="3FCDE7"/>
       </a:hlink>
       <a:folHlink>
-        <a:srgbClr val="B9D181"/>
+        <a:srgbClr val="A9D3E1"/>
       </a:folHlink>
     </a:clrScheme>
     <a:fontScheme name="Facet">
@@ -8996,7 +8258,7 @@
   <a:extraClrSchemeLst/>
   <a:extLst>
     <a:ext uri="{05A4C25C-085E-4340-85A3-A5531E510DB2}">
-      <thm15:themeFamily xmlns:thm15="http://schemas.microsoft.com/office/thememl/2012/main" name="Facet" id="{C0C680CD-088A-49FC-A102-D699147F32B2}" vid="{CFBC31BA-B70F-4F30-BCAA-4F3011E16C4D}"/>
+      <thm15:themeFamily xmlns:thm15="http://schemas.microsoft.com/office/thememl/2012/main" name="Facet" id="{C0C680CD-088A-49FC-A102-D699147F32B2}" vid="{0B5AB586-D108-4FC1-8368-649FE654B894}"/>
     </a:ext>
   </a:extLst>
 </a:theme>

--- a/Air Quality Index Analysis Presentation.pptx
+++ b/Air Quality Index Analysis Presentation.pptx
@@ -5885,7 +5885,7 @@
           <a:p>
             <a:pPr algn="ctr"/>
             <a:br>
-              <a:rPr lang="en-US">
+              <a:rPr lang="en-US" dirty="0">
                 <a:solidFill>
                   <a:schemeClr val="accent5">
                     <a:lumMod val="60000"/>
@@ -5895,7 +5895,7 @@
               </a:rPr>
             </a:br>
             <a:br>
-              <a:rPr lang="en-US">
+              <a:rPr lang="en-US" dirty="0">
                 <a:solidFill>
                   <a:schemeClr val="accent5">
                     <a:lumMod val="60000"/>
@@ -5905,45 +5905,28 @@
               </a:rPr>
             </a:br>
             <a:r>
-              <a:rPr lang="en-US">
-                <a:solidFill>
-                  <a:schemeClr val="accent5">
-                    <a:lumMod val="60000"/>
-                    <a:lumOff val="40000"/>
-                  </a:schemeClr>
+              <a:rPr lang="en-US" dirty="0">
+                <a:solidFill>
+                  <a:srgbClr val="00B050"/>
                 </a:solidFill>
               </a:rPr>
               <a:t>Air Quality Index </a:t>
             </a:r>
             <a:br>
-              <a:rPr lang="en-US">
-                <a:solidFill>
-                  <a:schemeClr val="accent5">
-                    <a:lumMod val="60000"/>
-                    <a:lumOff val="40000"/>
-                  </a:schemeClr>
+              <a:rPr lang="en-US" dirty="0">
+                <a:solidFill>
+                  <a:srgbClr val="00B050"/>
                 </a:solidFill>
               </a:rPr>
             </a:br>
             <a:r>
-              <a:rPr lang="en-US">
-                <a:solidFill>
-                  <a:schemeClr val="accent5">
-                    <a:lumMod val="60000"/>
-                    <a:lumOff val="40000"/>
-                  </a:schemeClr>
+              <a:rPr lang="en-US" dirty="0">
+                <a:solidFill>
+                  <a:srgbClr val="00B050"/>
                 </a:solidFill>
               </a:rPr>
               <a:t>Analysis</a:t>
             </a:r>
-            <a:endParaRPr lang="en-US" dirty="0">
-              <a:solidFill>
-                <a:schemeClr val="accent5">
-                  <a:lumMod val="60000"/>
-                  <a:lumOff val="40000"/>
-                </a:schemeClr>
-              </a:solidFill>
-            </a:endParaRPr>
           </a:p>
         </p:txBody>
       </p:sp>
@@ -6065,10 +6048,7 @@
             <a:r>
               <a:rPr lang="en-US" sz="4000" dirty="0">
                 <a:solidFill>
-                  <a:schemeClr val="accent5">
-                    <a:lumMod val="60000"/>
-                    <a:lumOff val="40000"/>
-                  </a:schemeClr>
+                  <a:srgbClr val="00B050"/>
                 </a:solidFill>
                 <a:latin typeface="+mj-lt"/>
               </a:rPr>
@@ -6216,15 +6196,11 @@
             <a:r>
               <a:rPr lang="en-US" dirty="0">
                 <a:solidFill>
-                  <a:schemeClr val="accent5">
-                    <a:lumMod val="60000"/>
-                    <a:lumOff val="40000"/>
-                  </a:schemeClr>
+                  <a:srgbClr val="00B050"/>
                 </a:solidFill>
               </a:rPr>
               <a:t>Recommendation/Next Steps</a:t>
             </a:r>
-            <a:endParaRPr lang="en-US" dirty="0"/>
           </a:p>
         </p:txBody>
       </p:sp>
@@ -6246,88 +6222,117 @@
         </p:nvSpPr>
         <p:spPr>
           <a:xfrm>
-            <a:off x="677334" y="1584325"/>
-            <a:ext cx="9151937" cy="4008092"/>
+            <a:off x="677334" y="1584324"/>
+            <a:ext cx="9151937" cy="4413803"/>
           </a:xfrm>
         </p:spPr>
         <p:txBody>
           <a:bodyPr>
-            <a:normAutofit/>
+            <a:normAutofit fontScale="92500" lnSpcReduction="20000"/>
           </a:bodyPr>
           <a:lstStyle/>
+          <a:p>
+            <a:pPr lvl="1" indent="-342900">
+              <a:buFont typeface="Arial" panose="020B0604020202020204" pitchFamily="34" charset="0"/>
+              <a:buChar char="•"/>
+            </a:pPr>
+            <a:r>
+              <a:rPr lang="en-US" dirty="0"/>
+              <a:t>Continue research/analysis that will provide more answers from our initial findings</a:t>
+            </a:r>
+          </a:p>
+          <a:p>
+            <a:pPr lvl="1" indent="-342900">
+              <a:buFont typeface="Arial" panose="020B0604020202020204" pitchFamily="34" charset="0"/>
+              <a:buChar char="•"/>
+            </a:pPr>
+            <a:r>
+              <a:rPr lang="en-US" dirty="0"/>
+              <a:t>Review years prior to 2017 to further evaluate Pre-Covid/Post-Covid AQI</a:t>
+            </a:r>
+          </a:p>
+          <a:p>
+            <a:pPr lvl="1" indent="-342900">
+              <a:buFont typeface="Arial" panose="020B0604020202020204" pitchFamily="34" charset="0"/>
+              <a:buChar char="•"/>
+            </a:pPr>
+            <a:r>
+              <a:rPr lang="en-US" dirty="0"/>
+              <a:t>Continue to review temperature change Post-Covid (2020) to confirm if relationship can    be established</a:t>
+            </a:r>
+          </a:p>
+          <a:p>
+            <a:pPr lvl="1" indent="-342900">
+              <a:buFont typeface="Arial" panose="020B0604020202020204" pitchFamily="34" charset="0"/>
+              <a:buChar char="•"/>
+            </a:pPr>
+            <a:r>
+              <a:rPr lang="en-US" dirty="0"/>
+              <a:t>No proven relationship between large population (country) &amp; higher AQI can be established; will the same be proven if we researched population by cities?</a:t>
+            </a:r>
+          </a:p>
+          <a:p>
+            <a:pPr lvl="1" indent="-342900">
+              <a:buFont typeface="Arial" panose="020B0604020202020204" pitchFamily="34" charset="0"/>
+              <a:buChar char="•"/>
+            </a:pPr>
+            <a:r>
+              <a:rPr lang="en-US" dirty="0"/>
+              <a:t>Established relationship between AQI/Life Expectancy; are there other factors that may be influencers?</a:t>
+            </a:r>
+          </a:p>
+          <a:p>
+            <a:pPr lvl="1" indent="-342900">
+              <a:buFont typeface="Arial" panose="020B0604020202020204" pitchFamily="34" charset="0"/>
+              <a:buChar char="•"/>
+            </a:pPr>
+            <a:r>
+              <a:rPr lang="en-US" dirty="0"/>
+              <a:t>Further analysis on correlations between AQI and specific illnesses, especially  respiratory ailments </a:t>
+            </a:r>
+          </a:p>
           <a:p>
             <a:pPr marL="342900" indent="-342900">
               <a:buFont typeface="Arial" panose="020B0604020202020204" pitchFamily="34" charset="0"/>
               <a:buChar char="•"/>
             </a:pPr>
-            <a:r>
-              <a:rPr lang="en-US" dirty="0"/>
-              <a:t>Continue research/analysis that will provide more answers from our initial findings</a:t>
-            </a:r>
-          </a:p>
-          <a:p>
-            <a:pPr lvl="1" indent="-342900">
-              <a:buFont typeface="Arial" panose="020B0604020202020204" pitchFamily="34" charset="0"/>
-              <a:buChar char="•"/>
+            <a:endParaRPr lang="en-US" dirty="0"/>
+          </a:p>
+          <a:p>
+            <a:pPr marL="0" indent="0" algn="ctr">
+              <a:buNone/>
             </a:pPr>
             <a:r>
-              <a:rPr lang="en-US" dirty="0"/>
-              <a:t>Review years prior to 2017 to further evaluate Pre-Covid/Post-Covid AQI</a:t>
-            </a:r>
-          </a:p>
-          <a:p>
-            <a:pPr lvl="1" indent="-342900">
-              <a:buFont typeface="Arial" panose="020B0604020202020204" pitchFamily="34" charset="0"/>
-              <a:buChar char="•"/>
+              <a:rPr lang="en-US" sz="3600" dirty="0">
+                <a:solidFill>
+                  <a:srgbClr val="00B050"/>
+                </a:solidFill>
+              </a:rPr>
+              <a:t>QUESTIONS?</a:t>
+            </a:r>
+          </a:p>
+          <a:p>
+            <a:pPr marL="0" indent="0" algn="ctr">
+              <a:buNone/>
             </a:pPr>
-            <a:r>
-              <a:rPr lang="en-US" dirty="0"/>
-              <a:t>Continue to review temperature change Post-Covid (2020) to confirm if relationship can    be established</a:t>
-            </a:r>
-          </a:p>
-          <a:p>
-            <a:pPr lvl="1" indent="-342900">
-              <a:buFont typeface="Arial" panose="020B0604020202020204" pitchFamily="34" charset="0"/>
-              <a:buChar char="•"/>
+            <a:endParaRPr lang="en-US" sz="2400" dirty="0">
+              <a:solidFill>
+                <a:srgbClr val="00B050"/>
+              </a:solidFill>
+            </a:endParaRPr>
+          </a:p>
+          <a:p>
+            <a:pPr marL="0" indent="0" algn="ctr">
+              <a:buNone/>
             </a:pPr>
             <a:r>
-              <a:rPr lang="en-US" dirty="0"/>
-              <a:t>No proven relationship between large population (country) &amp; higher AQI can be established; will the same be proven if we researched population by cities?</a:t>
-            </a:r>
-          </a:p>
-          <a:p>
-            <a:pPr lvl="1" indent="-342900">
-              <a:buFont typeface="Arial" panose="020B0604020202020204" pitchFamily="34" charset="0"/>
-              <a:buChar char="•"/>
-            </a:pPr>
-            <a:r>
-              <a:rPr lang="en-US" dirty="0"/>
-              <a:t>Established relationship between AQI/Life Expectancy; are there other factors that may be influencers?</a:t>
-            </a:r>
-          </a:p>
-          <a:p>
-            <a:pPr lvl="1" indent="-342900">
-              <a:buFont typeface="Arial" panose="020B0604020202020204" pitchFamily="34" charset="0"/>
-              <a:buChar char="•"/>
-            </a:pPr>
-            <a:r>
-              <a:rPr lang="en-US" dirty="0"/>
-              <a:t>Further analysis on correlations between AQI and specific illnesses, especially  respiratory ailments </a:t>
-            </a:r>
-          </a:p>
-          <a:p>
-            <a:pPr marL="342900" indent="-342900">
-              <a:buFont typeface="Arial" panose="020B0604020202020204" pitchFamily="34" charset="0"/>
-              <a:buChar char="•"/>
-            </a:pPr>
-            <a:endParaRPr lang="en-US" dirty="0"/>
-          </a:p>
-          <a:p>
-            <a:pPr marL="342900" indent="-342900">
-              <a:buFont typeface="Arial" panose="020B0604020202020204" pitchFamily="34" charset="0"/>
-              <a:buChar char="•"/>
-            </a:pPr>
-            <a:endParaRPr lang="en-US" dirty="0"/>
+              <a:rPr lang="en-US" sz="2400" dirty="0">
+                <a:solidFill>
+                  <a:srgbClr val="00B050"/>
+                </a:solidFill>
+              </a:rPr>
+              <a:t>Thank you for listening to our presentation!</a:t>
+            </a:r>
           </a:p>
         </p:txBody>
       </p:sp>
@@ -6391,10 +6396,7 @@
             <a:r>
               <a:rPr lang="en-US" dirty="0">
                 <a:solidFill>
-                  <a:schemeClr val="accent5">
-                    <a:lumMod val="60000"/>
-                    <a:lumOff val="40000"/>
-                  </a:schemeClr>
+                  <a:srgbClr val="00B050"/>
                 </a:solidFill>
               </a:rPr>
               <a:t>Overview</a:t>
@@ -6663,10 +6665,7 @@
             <a:r>
               <a:rPr lang="en-US" sz="5400" dirty="0">
                 <a:solidFill>
-                  <a:schemeClr val="accent5">
-                    <a:lumMod val="60000"/>
-                    <a:lumOff val="40000"/>
-                  </a:schemeClr>
+                  <a:srgbClr val="00B050"/>
                 </a:solidFill>
                 <a:latin typeface="+mj-lt"/>
               </a:rPr>
@@ -6674,7 +6673,7 @@
             </a:r>
             <a:endParaRPr lang="en-US" sz="5400" kern="1200" dirty="0">
               <a:solidFill>
-                <a:schemeClr val="accent1"/>
+                <a:srgbClr val="00B050"/>
               </a:solidFill>
               <a:latin typeface="+mj-lt"/>
               <a:ea typeface="+mj-ea"/>
@@ -7088,18 +7087,12 @@
             <a:r>
               <a:rPr lang="en-US" sz="4000" dirty="0">
                 <a:solidFill>
-                  <a:schemeClr val="accent5">
-                    <a:lumMod val="60000"/>
-                    <a:lumOff val="40000"/>
-                  </a:schemeClr>
+                  <a:srgbClr val="00B050"/>
                 </a:solidFill>
                 <a:latin typeface="+mj-lt"/>
               </a:rPr>
               <a:t>Resources</a:t>
             </a:r>
-            <a:endParaRPr lang="en-US" sz="4000" dirty="0">
-              <a:latin typeface="+mj-lt"/>
-            </a:endParaRPr>
           </a:p>
         </p:txBody>
       </p:sp>
@@ -7213,16 +7206,17 @@
             <a:r>
               <a:rPr lang="en-US" sz="3200" dirty="0">
                 <a:solidFill>
-                  <a:schemeClr val="accent5">
-                    <a:lumMod val="60000"/>
-                    <a:lumOff val="40000"/>
-                  </a:schemeClr>
+                  <a:srgbClr val="00B050"/>
                 </a:solidFill>
                 <a:latin typeface="+mj-lt"/>
               </a:rPr>
               <a:t>AQI Movement (Pre-Covid vs. Post-Covid)</a:t>
             </a:r>
-            <a:endParaRPr lang="en-US" sz="3200" dirty="0"/>
+            <a:endParaRPr lang="en-US" sz="3200" dirty="0">
+              <a:solidFill>
+                <a:srgbClr val="00B050"/>
+              </a:solidFill>
+            </a:endParaRPr>
           </a:p>
         </p:txBody>
       </p:sp>
@@ -7548,18 +7542,12 @@
             <a:r>
               <a:rPr lang="en-US" sz="4000" dirty="0">
                 <a:solidFill>
-                  <a:schemeClr val="accent5">
-                    <a:lumMod val="60000"/>
-                    <a:lumOff val="40000"/>
-                  </a:schemeClr>
+                  <a:srgbClr val="00B050"/>
                 </a:solidFill>
                 <a:latin typeface="+mj-lt"/>
               </a:rPr>
               <a:t>AQI vs Death Rate</a:t>
             </a:r>
-            <a:endParaRPr lang="en-US" sz="4000" dirty="0">
-              <a:latin typeface="+mj-lt"/>
-            </a:endParaRPr>
           </a:p>
         </p:txBody>
       </p:sp>
@@ -7625,10 +7613,7 @@
             <a:r>
               <a:rPr lang="en-US" sz="4000" dirty="0">
                 <a:solidFill>
-                  <a:schemeClr val="accent5">
-                    <a:lumMod val="60000"/>
-                    <a:lumOff val="40000"/>
-                  </a:schemeClr>
+                  <a:srgbClr val="00B050"/>
                 </a:solidFill>
                 <a:latin typeface="+mj-lt"/>
               </a:rPr>
@@ -7640,18 +7625,12 @@
             <a:r>
               <a:rPr lang="en-US" sz="2400" dirty="0">
                 <a:solidFill>
-                  <a:schemeClr val="accent5">
-                    <a:lumMod val="60000"/>
-                    <a:lumOff val="40000"/>
-                  </a:schemeClr>
+                  <a:srgbClr val="00B050"/>
                 </a:solidFill>
                 <a:latin typeface="+mj-lt"/>
               </a:rPr>
               <a:t>(Pre-Covid/Post-Covid)</a:t>
             </a:r>
-            <a:endParaRPr lang="en-US" sz="2400" dirty="0">
-              <a:latin typeface="+mj-lt"/>
-            </a:endParaRPr>
           </a:p>
         </p:txBody>
       </p:sp>
@@ -7833,10 +7812,7 @@
             <a:r>
               <a:rPr lang="en-US" sz="4000" dirty="0">
                 <a:solidFill>
-                  <a:schemeClr val="accent5">
-                    <a:lumMod val="60000"/>
-                    <a:lumOff val="40000"/>
-                  </a:schemeClr>
+                  <a:srgbClr val="00B050"/>
                 </a:solidFill>
                 <a:latin typeface="+mj-lt"/>
               </a:rPr>
@@ -7943,10 +7919,7 @@
             <a:r>
               <a:rPr lang="en-US" sz="4000" dirty="0">
                 <a:solidFill>
-                  <a:schemeClr val="accent5">
-                    <a:lumMod val="60000"/>
-                    <a:lumOff val="40000"/>
-                  </a:schemeClr>
+                  <a:srgbClr val="00B050"/>
                 </a:solidFill>
                 <a:latin typeface="+mj-lt"/>
               </a:rPr>
